--- a/Aula01-Ambiente de Desenvolvimento/Aula01-Ambiente de Desenvolvimento Flutter.pptx
+++ b/Aula01-Ambiente de Desenvolvimento/Aula01-Ambiente de Desenvolvimento Flutter.pptx
@@ -19,31 +19,24 @@
   <p:notesSz cx="6858000" cy="9144000"/>
   <p:embeddedFontLst>
     <p:embeddedFont>
-      <p:font typeface="Calibri" panose="020F0502020204030204" pitchFamily="34" charset="0"/>
+      <p:font typeface="Lato" panose="020F0502020204030203" pitchFamily="34" charset="0"/>
       <p:regular r:id="rId11"/>
-      <p:bold r:id="rId12"/>
-      <p:italic r:id="rId13"/>
-      <p:boldItalic r:id="rId14"/>
     </p:embeddedFont>
     <p:embeddedFont>
-      <p:font typeface="Lato" panose="020F0502020204030203" pitchFamily="34" charset="0"/>
-      <p:regular r:id="rId15"/>
+      <p:font typeface="Lato Bold" panose="020F0502020204030203" charset="0"/>
+      <p:regular r:id="rId12"/>
     </p:embeddedFont>
     <p:embeddedFont>
-      <p:font typeface="Lato Bold" panose="020F0502020204030203" pitchFamily="34" charset="0"/>
-      <p:regular r:id="rId16"/>
+      <p:font typeface="Poppins" panose="00000500000000000000" pitchFamily="2" charset="0"/>
+      <p:regular r:id="rId13"/>
     </p:embeddedFont>
     <p:embeddedFont>
-      <p:font typeface="Poppins" panose="020B0502040504020204" pitchFamily="34" charset="0"/>
-      <p:regular r:id="rId17"/>
+      <p:font typeface="Poppins Bold" panose="00000800000000000000" charset="0"/>
+      <p:regular r:id="rId14"/>
     </p:embeddedFont>
     <p:embeddedFont>
-      <p:font typeface="Poppins Bold" pitchFamily="2" charset="0"/>
-      <p:regular r:id="rId18"/>
-    </p:embeddedFont>
-    <p:embeddedFont>
-      <p:font typeface="Poppins Ultra-Bold" pitchFamily="2" charset="0"/>
-      <p:regular r:id="rId19"/>
+      <p:font typeface="Poppins Ultra-Bold" panose="020B0604020202020204" charset="0"/>
+      <p:regular r:id="rId15"/>
     </p:embeddedFont>
   </p:embeddedFontLst>
   <p:defaultTextStyle>
@@ -340,7 +333,7 @@
             <a:fld id="{1D8BD707-D9CF-40AE-B4C6-C98DA3205C09}" type="datetimeFigureOut">
               <a:rPr lang="en-US" smtClean="0"/>
               <a:pPr/>
-              <a:t>3/2/2024</a:t>
+              <a:t>11/24/2025</a:t>
             </a:fld>
             <a:endParaRPr lang="en-US"/>
           </a:p>
@@ -505,7 +498,7 @@
             <a:fld id="{1D8BD707-D9CF-40AE-B4C6-C98DA3205C09}" type="datetimeFigureOut">
               <a:rPr lang="en-US" smtClean="0"/>
               <a:pPr/>
-              <a:t>3/2/2024</a:t>
+              <a:t>11/24/2025</a:t>
             </a:fld>
             <a:endParaRPr lang="en-US"/>
           </a:p>
@@ -680,7 +673,7 @@
             <a:fld id="{1D8BD707-D9CF-40AE-B4C6-C98DA3205C09}" type="datetimeFigureOut">
               <a:rPr lang="en-US" smtClean="0"/>
               <a:pPr/>
-              <a:t>3/2/2024</a:t>
+              <a:t>11/24/2025</a:t>
             </a:fld>
             <a:endParaRPr lang="en-US"/>
           </a:p>
@@ -845,7 +838,7 @@
             <a:fld id="{1D8BD707-D9CF-40AE-B4C6-C98DA3205C09}" type="datetimeFigureOut">
               <a:rPr lang="en-US" smtClean="0"/>
               <a:pPr/>
-              <a:t>3/2/2024</a:t>
+              <a:t>11/24/2025</a:t>
             </a:fld>
             <a:endParaRPr lang="en-US"/>
           </a:p>
@@ -1087,7 +1080,7 @@
             <a:fld id="{1D8BD707-D9CF-40AE-B4C6-C98DA3205C09}" type="datetimeFigureOut">
               <a:rPr lang="en-US" smtClean="0"/>
               <a:pPr/>
-              <a:t>3/2/2024</a:t>
+              <a:t>11/24/2025</a:t>
             </a:fld>
             <a:endParaRPr lang="en-US"/>
           </a:p>
@@ -1369,7 +1362,7 @@
             <a:fld id="{1D8BD707-D9CF-40AE-B4C6-C98DA3205C09}" type="datetimeFigureOut">
               <a:rPr lang="en-US" smtClean="0"/>
               <a:pPr/>
-              <a:t>3/2/2024</a:t>
+              <a:t>11/24/2025</a:t>
             </a:fld>
             <a:endParaRPr lang="en-US"/>
           </a:p>
@@ -1785,7 +1778,7 @@
             <a:fld id="{1D8BD707-D9CF-40AE-B4C6-C98DA3205C09}" type="datetimeFigureOut">
               <a:rPr lang="en-US" smtClean="0"/>
               <a:pPr/>
-              <a:t>3/2/2024</a:t>
+              <a:t>11/24/2025</a:t>
             </a:fld>
             <a:endParaRPr lang="en-US"/>
           </a:p>
@@ -1899,7 +1892,7 @@
             <a:fld id="{1D8BD707-D9CF-40AE-B4C6-C98DA3205C09}" type="datetimeFigureOut">
               <a:rPr lang="en-US" smtClean="0"/>
               <a:pPr/>
-              <a:t>3/2/2024</a:t>
+              <a:t>11/24/2025</a:t>
             </a:fld>
             <a:endParaRPr lang="en-US"/>
           </a:p>
@@ -1991,7 +1984,7 @@
             <a:fld id="{1D8BD707-D9CF-40AE-B4C6-C98DA3205C09}" type="datetimeFigureOut">
               <a:rPr lang="en-US" smtClean="0"/>
               <a:pPr/>
-              <a:t>3/2/2024</a:t>
+              <a:t>11/24/2025</a:t>
             </a:fld>
             <a:endParaRPr lang="en-US"/>
           </a:p>
@@ -2263,7 +2256,7 @@
             <a:fld id="{1D8BD707-D9CF-40AE-B4C6-C98DA3205C09}" type="datetimeFigureOut">
               <a:rPr lang="en-US" smtClean="0"/>
               <a:pPr/>
-              <a:t>3/2/2024</a:t>
+              <a:t>11/24/2025</a:t>
             </a:fld>
             <a:endParaRPr lang="en-US"/>
           </a:p>
@@ -2512,7 +2505,7 @@
             <a:fld id="{1D8BD707-D9CF-40AE-B4C6-C98DA3205C09}" type="datetimeFigureOut">
               <a:rPr lang="en-US" smtClean="0"/>
               <a:pPr/>
-              <a:t>3/2/2024</a:t>
+              <a:t>11/24/2025</a:t>
             </a:fld>
             <a:endParaRPr lang="en-US"/>
           </a:p>
@@ -2720,7 +2713,7 @@
             <a:fld id="{1D8BD707-D9CF-40AE-B4C6-C98DA3205C09}" type="datetimeFigureOut">
               <a:rPr lang="en-US" smtClean="0"/>
               <a:pPr/>
-              <a:t>3/2/2024</a:t>
+              <a:t>11/24/2025</a:t>
             </a:fld>
             <a:endParaRPr lang="en-US"/>
           </a:p>
@@ -3144,6 +3137,13 @@
               <a:srgbClr val="5271FF"/>
             </a:solidFill>
           </p:spPr>
+          <p:txBody>
+            <a:bodyPr/>
+            <a:lstStyle/>
+            <a:p>
+              <a:endParaRPr lang="pt-BR"/>
+            </a:p>
+          </p:txBody>
         </p:sp>
       </p:grpSp>
       <p:grpSp>
@@ -3218,6 +3218,13 @@
               <a:srgbClr val="FFFFFF"/>
             </a:solidFill>
           </p:spPr>
+          <p:txBody>
+            <a:bodyPr/>
+            <a:lstStyle/>
+            <a:p>
+              <a:endParaRPr lang="pt-BR"/>
+            </a:p>
+          </p:txBody>
         </p:sp>
       </p:grpSp>
       <p:grpSp>
@@ -3292,6 +3299,13 @@
               <a:srgbClr val="2B4A9D"/>
             </a:solidFill>
           </p:spPr>
+          <p:txBody>
+            <a:bodyPr/>
+            <a:lstStyle/>
+            <a:p>
+              <a:endParaRPr lang="pt-BR"/>
+            </a:p>
+          </p:txBody>
         </p:sp>
       </p:grpSp>
       <p:sp>
@@ -3356,7 +3370,7 @@
         <p:spPr>
           <a:xfrm>
             <a:off x="814373" y="7555634"/>
-            <a:ext cx="10419822" cy="1225550"/>
+            <a:ext cx="10419822" cy="2452018"/>
           </a:xfrm>
           <a:prstGeom prst="rect">
             <a:avLst/>
@@ -3374,13 +3388,70 @@
               </a:lnSpc>
             </a:pPr>
             <a:r>
-              <a:rPr lang="en-US" sz="3500" spc="350">
+              <a:rPr lang="en-US" sz="3500" spc="350" dirty="0">
                 <a:solidFill>
                   <a:srgbClr val="000000"/>
                 </a:solidFill>
                 <a:latin typeface="Lato"/>
               </a:rPr>
-              <a:t>APRESENTADO POR: ELIANE DANTAS E NATALIA COSTA</a:t>
+              <a:t>APRESENTADO POR:</a:t>
+            </a:r>
+          </a:p>
+          <a:p>
+            <a:pPr>
+              <a:lnSpc>
+                <a:spcPts val="4900"/>
+              </a:lnSpc>
+            </a:pPr>
+            <a:r>
+              <a:rPr lang="en-US" sz="3500" spc="350" dirty="0">
+                <a:solidFill>
+                  <a:srgbClr val="000000"/>
+                </a:solidFill>
+                <a:latin typeface="Lato"/>
+              </a:rPr>
+              <a:t>Paulo Vitor</a:t>
+            </a:r>
+          </a:p>
+          <a:p>
+            <a:pPr>
+              <a:lnSpc>
+                <a:spcPts val="4900"/>
+              </a:lnSpc>
+            </a:pPr>
+            <a:r>
+              <a:rPr lang="en-US" sz="3500" spc="350" dirty="0" err="1">
+                <a:solidFill>
+                  <a:srgbClr val="000000"/>
+                </a:solidFill>
+                <a:latin typeface="Lato"/>
+              </a:rPr>
+              <a:t>Talysson</a:t>
+            </a:r>
+            <a:r>
+              <a:rPr lang="en-US" sz="3500" spc="350" dirty="0">
+                <a:solidFill>
+                  <a:srgbClr val="000000"/>
+                </a:solidFill>
+                <a:latin typeface="Lato"/>
+              </a:rPr>
+              <a:t> Vasconcelos</a:t>
+            </a:r>
+          </a:p>
+          <a:p>
+            <a:pPr>
+              <a:lnSpc>
+                <a:spcPts val="4900"/>
+              </a:lnSpc>
+            </a:pPr>
+            <a:r>
+              <a:rPr lang="en-US" sz="3500" spc="350" dirty="0">
+                <a:solidFill>
+                  <a:srgbClr val="000000"/>
+                </a:solidFill>
+                <a:latin typeface="Lato"/>
+              </a:rPr>
+              <a:t>João Hungria</a:t>
             </a:r>
           </a:p>
         </p:txBody>
@@ -3437,6 +3508,13 @@
             </a:stretch>
           </a:blipFill>
         </p:spPr>
+        <p:txBody>
+          <a:bodyPr/>
+          <a:lstStyle/>
+          <a:p>
+            <a:endParaRPr lang="pt-BR"/>
+          </a:p>
+        </p:txBody>
       </p:sp>
       <p:grpSp>
         <p:nvGrpSpPr>
@@ -3491,6 +3569,13 @@
               <a:srgbClr val="2B4A9D"/>
             </a:solidFill>
           </p:spPr>
+          <p:txBody>
+            <a:bodyPr/>
+            <a:lstStyle/>
+            <a:p>
+              <a:endParaRPr lang="pt-BR"/>
+            </a:p>
+          </p:txBody>
         </p:sp>
       </p:grpSp>
     </p:spTree>
@@ -3571,6 +3656,13 @@
               <a:srgbClr val="2B4A9D"/>
             </a:solidFill>
           </p:spPr>
+          <p:txBody>
+            <a:bodyPr/>
+            <a:lstStyle/>
+            <a:p>
+              <a:endParaRPr lang="pt-BR"/>
+            </a:p>
+          </p:txBody>
         </p:sp>
       </p:grpSp>
       <p:grpSp>
@@ -3626,6 +3718,13 @@
               <a:srgbClr val="2B4A9D"/>
             </a:solidFill>
           </p:spPr>
+          <p:txBody>
+            <a:bodyPr/>
+            <a:lstStyle/>
+            <a:p>
+              <a:endParaRPr lang="pt-BR"/>
+            </a:p>
+          </p:txBody>
         </p:sp>
       </p:grpSp>
       <p:grpSp>
@@ -3700,6 +3799,13 @@
               <a:srgbClr val="FFFFFF"/>
             </a:solidFill>
           </p:spPr>
+          <p:txBody>
+            <a:bodyPr/>
+            <a:lstStyle/>
+            <a:p>
+              <a:endParaRPr lang="pt-BR"/>
+            </a:p>
+          </p:txBody>
         </p:sp>
       </p:grpSp>
       <p:grpSp>
@@ -3774,6 +3880,13 @@
               <a:srgbClr val="2B4A9D"/>
             </a:solidFill>
           </p:spPr>
+          <p:txBody>
+            <a:bodyPr/>
+            <a:lstStyle/>
+            <a:p>
+              <a:endParaRPr lang="pt-BR"/>
+            </a:p>
+          </p:txBody>
         </p:sp>
       </p:grpSp>
       <p:grpSp>
@@ -3848,6 +3961,13 @@
               <a:srgbClr val="2B4A9D"/>
             </a:solidFill>
           </p:spPr>
+          <p:txBody>
+            <a:bodyPr/>
+            <a:lstStyle/>
+            <a:p>
+              <a:endParaRPr lang="pt-BR"/>
+            </a:p>
+          </p:txBody>
         </p:sp>
       </p:grpSp>
       <p:grpSp>
@@ -3928,6 +4048,13 @@
               <a:srgbClr val="2B4A9D"/>
             </a:solidFill>
           </p:spPr>
+          <p:txBody>
+            <a:bodyPr/>
+            <a:lstStyle/>
+            <a:p>
+              <a:endParaRPr lang="pt-BR"/>
+            </a:p>
+          </p:txBody>
         </p:sp>
       </p:grpSp>
       <p:sp>
@@ -4046,6 +4173,13 @@
               <a:srgbClr val="2B4A9D"/>
             </a:solidFill>
           </p:spPr>
+          <p:txBody>
+            <a:bodyPr/>
+            <a:lstStyle/>
+            <a:p>
+              <a:endParaRPr lang="pt-BR"/>
+            </a:p>
+          </p:txBody>
         </p:sp>
       </p:grpSp>
       <p:grpSp>
@@ -4126,6 +4260,13 @@
               <a:srgbClr val="2B4A9D"/>
             </a:solidFill>
           </p:spPr>
+          <p:txBody>
+            <a:bodyPr/>
+            <a:lstStyle/>
+            <a:p>
+              <a:endParaRPr lang="pt-BR"/>
+            </a:p>
+          </p:txBody>
         </p:sp>
       </p:grpSp>
       <p:sp>
@@ -4282,6 +4423,13 @@
               <a:srgbClr val="5271FF"/>
             </a:solidFill>
           </p:spPr>
+          <p:txBody>
+            <a:bodyPr/>
+            <a:lstStyle/>
+            <a:p>
+              <a:endParaRPr lang="pt-BR"/>
+            </a:p>
+          </p:txBody>
         </p:sp>
       </p:grpSp>
       <p:grpSp>
@@ -4356,6 +4504,13 @@
               <a:srgbClr val="FFFFFF"/>
             </a:solidFill>
           </p:spPr>
+          <p:txBody>
+            <a:bodyPr/>
+            <a:lstStyle/>
+            <a:p>
+              <a:endParaRPr lang="pt-BR"/>
+            </a:p>
+          </p:txBody>
         </p:sp>
       </p:grpSp>
       <p:grpSp>
@@ -4430,6 +4585,13 @@
               <a:srgbClr val="2B4A9D"/>
             </a:solidFill>
           </p:spPr>
+          <p:txBody>
+            <a:bodyPr/>
+            <a:lstStyle/>
+            <a:p>
+              <a:endParaRPr lang="pt-BR"/>
+            </a:p>
+          </p:txBody>
         </p:sp>
       </p:grpSp>
       <p:grpSp>
@@ -4504,6 +4666,13 @@
               <a:srgbClr val="2B4A9D"/>
             </a:solidFill>
           </p:spPr>
+          <p:txBody>
+            <a:bodyPr/>
+            <a:lstStyle/>
+            <a:p>
+              <a:endParaRPr lang="pt-BR"/>
+            </a:p>
+          </p:txBody>
         </p:sp>
       </p:grpSp>
       <p:grpSp>
@@ -4564,6 +4733,13 @@
               </a:stretch>
             </a:blipFill>
           </p:spPr>
+          <p:txBody>
+            <a:bodyPr/>
+            <a:lstStyle/>
+            <a:p>
+              <a:endParaRPr lang="pt-BR"/>
+            </a:p>
+          </p:txBody>
         </p:sp>
         <p:sp>
           <p:nvSpPr>
@@ -4623,6 +4799,13 @@
               <a:srgbClr val="5271FF"/>
             </a:solidFill>
           </p:spPr>
+          <p:txBody>
+            <a:bodyPr/>
+            <a:lstStyle/>
+            <a:p>
+              <a:endParaRPr lang="pt-BR"/>
+            </a:p>
+          </p:txBody>
         </p:sp>
       </p:grpSp>
       <p:sp>
@@ -4716,6 +4899,13 @@
               <a:srgbClr val="2B4A9D"/>
             </a:solidFill>
           </p:spPr>
+          <p:txBody>
+            <a:bodyPr/>
+            <a:lstStyle/>
+            <a:p>
+              <a:endParaRPr lang="pt-BR"/>
+            </a:p>
+          </p:txBody>
         </p:sp>
       </p:grpSp>
       <p:sp>
@@ -4834,6 +5024,13 @@
               <a:srgbClr val="5271FF"/>
             </a:solidFill>
           </p:spPr>
+          <p:txBody>
+            <a:bodyPr/>
+            <a:lstStyle/>
+            <a:p>
+              <a:endParaRPr lang="pt-BR"/>
+            </a:p>
+          </p:txBody>
         </p:sp>
       </p:grpSp>
       <p:grpSp>
@@ -4908,6 +5105,13 @@
               <a:srgbClr val="FFFFFF"/>
             </a:solidFill>
           </p:spPr>
+          <p:txBody>
+            <a:bodyPr/>
+            <a:lstStyle/>
+            <a:p>
+              <a:endParaRPr lang="pt-BR"/>
+            </a:p>
+          </p:txBody>
         </p:sp>
       </p:grpSp>
       <p:grpSp>
@@ -4963,6 +5167,13 @@
               <a:srgbClr val="2B4A9D"/>
             </a:solidFill>
           </p:spPr>
+          <p:txBody>
+            <a:bodyPr/>
+            <a:lstStyle/>
+            <a:p>
+              <a:endParaRPr lang="pt-BR"/>
+            </a:p>
+          </p:txBody>
         </p:sp>
       </p:grpSp>
       <p:sp>
@@ -5093,6 +5304,13 @@
             </a:stretch>
           </a:blipFill>
         </p:spPr>
+        <p:txBody>
+          <a:bodyPr/>
+          <a:lstStyle/>
+          <a:p>
+            <a:endParaRPr lang="pt-BR"/>
+          </a:p>
+        </p:txBody>
       </p:sp>
       <p:sp>
         <p:nvSpPr>
@@ -5383,6 +5601,13 @@
             </a:stretch>
           </a:blipFill>
         </p:spPr>
+        <p:txBody>
+          <a:bodyPr/>
+          <a:lstStyle/>
+          <a:p>
+            <a:endParaRPr lang="pt-BR"/>
+          </a:p>
+        </p:txBody>
       </p:sp>
       <p:sp>
         <p:nvSpPr>
@@ -5645,6 +5870,13 @@
             </a:stretch>
           </a:blipFill>
         </p:spPr>
+        <p:txBody>
+          <a:bodyPr/>
+          <a:lstStyle/>
+          <a:p>
+            <a:endParaRPr lang="pt-BR"/>
+          </a:p>
+        </p:txBody>
       </p:sp>
     </p:spTree>
   </p:cSld>
